--- a/images/graphs.pptx
+++ b/images/graphs.pptx
@@ -6,11 +6,12 @@
   </p:sldMasterIdLst>
   <p:sldIdLst>
     <p:sldId id="256" r:id="rId2"/>
+    <p:sldId id="257" r:id="rId3"/>
   </p:sldIdLst>
   <p:sldSz cx="12192000" cy="6858000"/>
   <p:notesSz cx="6858000" cy="9144000"/>
   <p:custDataLst>
-    <p:tags r:id="rId3"/>
+    <p:tags r:id="rId4"/>
   </p:custDataLst>
   <p:defaultTextStyle>
     <a:defPPr>
@@ -107,6 +108,11 @@
       </a:defRPr>
     </a:lvl9pPr>
   </p:defaultTextStyle>
+  <p:extLst>
+    <p:ext uri="{EFAFB233-063F-42B5-8137-9DF3F51BA10A}">
+      <p15:sldGuideLst xmlns:p15="http://schemas.microsoft.com/office/powerpoint/2012/main"/>
+    </p:ext>
+  </p:extLst>
 </p:presentation>
 </file>
 
@@ -257,7 +263,7 @@
           <a:p>
             <a:fld id="{20723E45-8DF6-4DDF-9284-80562A0E6783}" type="datetimeFigureOut">
               <a:rPr lang="en-US" smtClean="0"/>
-              <a:t>9/30/2023</a:t>
+              <a:t>12/13/2023</a:t>
             </a:fld>
             <a:endParaRPr lang="en-US"/>
           </a:p>
@@ -455,7 +461,7 @@
           <a:p>
             <a:fld id="{20723E45-8DF6-4DDF-9284-80562A0E6783}" type="datetimeFigureOut">
               <a:rPr lang="en-US" smtClean="0"/>
-              <a:t>9/30/2023</a:t>
+              <a:t>12/13/2023</a:t>
             </a:fld>
             <a:endParaRPr lang="en-US"/>
           </a:p>
@@ -663,7 +669,7 @@
           <a:p>
             <a:fld id="{20723E45-8DF6-4DDF-9284-80562A0E6783}" type="datetimeFigureOut">
               <a:rPr lang="en-US" smtClean="0"/>
-              <a:t>9/30/2023</a:t>
+              <a:t>12/13/2023</a:t>
             </a:fld>
             <a:endParaRPr lang="en-US"/>
           </a:p>
@@ -861,7 +867,7 @@
           <a:p>
             <a:fld id="{20723E45-8DF6-4DDF-9284-80562A0E6783}" type="datetimeFigureOut">
               <a:rPr lang="en-US" smtClean="0"/>
-              <a:t>9/30/2023</a:t>
+              <a:t>12/13/2023</a:t>
             </a:fld>
             <a:endParaRPr lang="en-US"/>
           </a:p>
@@ -1136,7 +1142,7 @@
           <a:p>
             <a:fld id="{20723E45-8DF6-4DDF-9284-80562A0E6783}" type="datetimeFigureOut">
               <a:rPr lang="en-US" smtClean="0"/>
-              <a:t>9/30/2023</a:t>
+              <a:t>12/13/2023</a:t>
             </a:fld>
             <a:endParaRPr lang="en-US"/>
           </a:p>
@@ -1401,7 +1407,7 @@
           <a:p>
             <a:fld id="{20723E45-8DF6-4DDF-9284-80562A0E6783}" type="datetimeFigureOut">
               <a:rPr lang="en-US" smtClean="0"/>
-              <a:t>9/30/2023</a:t>
+              <a:t>12/13/2023</a:t>
             </a:fld>
             <a:endParaRPr lang="en-US"/>
           </a:p>
@@ -1813,7 +1819,7 @@
           <a:p>
             <a:fld id="{20723E45-8DF6-4DDF-9284-80562A0E6783}" type="datetimeFigureOut">
               <a:rPr lang="en-US" smtClean="0"/>
-              <a:t>9/30/2023</a:t>
+              <a:t>12/13/2023</a:t>
             </a:fld>
             <a:endParaRPr lang="en-US"/>
           </a:p>
@@ -1954,7 +1960,7 @@
           <a:p>
             <a:fld id="{20723E45-8DF6-4DDF-9284-80562A0E6783}" type="datetimeFigureOut">
               <a:rPr lang="en-US" smtClean="0"/>
-              <a:t>9/30/2023</a:t>
+              <a:t>12/13/2023</a:t>
             </a:fld>
             <a:endParaRPr lang="en-US"/>
           </a:p>
@@ -2067,7 +2073,7 @@
           <a:p>
             <a:fld id="{20723E45-8DF6-4DDF-9284-80562A0E6783}" type="datetimeFigureOut">
               <a:rPr lang="en-US" smtClean="0"/>
-              <a:t>9/30/2023</a:t>
+              <a:t>12/13/2023</a:t>
             </a:fld>
             <a:endParaRPr lang="en-US"/>
           </a:p>
@@ -2378,7 +2384,7 @@
           <a:p>
             <a:fld id="{20723E45-8DF6-4DDF-9284-80562A0E6783}" type="datetimeFigureOut">
               <a:rPr lang="en-US" smtClean="0"/>
-              <a:t>9/30/2023</a:t>
+              <a:t>12/13/2023</a:t>
             </a:fld>
             <a:endParaRPr lang="en-US"/>
           </a:p>
@@ -2666,7 +2672,7 @@
           <a:p>
             <a:fld id="{20723E45-8DF6-4DDF-9284-80562A0E6783}" type="datetimeFigureOut">
               <a:rPr lang="en-US" smtClean="0"/>
-              <a:t>9/30/2023</a:t>
+              <a:t>12/13/2023</a:t>
             </a:fld>
             <a:endParaRPr lang="en-US"/>
           </a:p>
@@ -2907,7 +2913,7 @@
           <a:p>
             <a:fld id="{20723E45-8DF6-4DDF-9284-80562A0E6783}" type="datetimeFigureOut">
               <a:rPr lang="en-US" smtClean="0"/>
-              <a:t>9/30/2023</a:t>
+              <a:t>12/13/2023</a:t>
             </a:fld>
             <a:endParaRPr lang="en-US"/>
           </a:p>
@@ -5255,6 +5261,166 @@
 </p:sld>
 </file>
 
+<file path=ppt/slides/slide2.xml><?xml version="1.0" encoding="utf-8"?>
+<p:sld xmlns:a="http://schemas.openxmlformats.org/drawingml/2006/main" xmlns:r="http://schemas.openxmlformats.org/officeDocument/2006/relationships" xmlns:p="http://schemas.openxmlformats.org/presentationml/2006/main">
+  <p:cSld>
+    <p:spTree>
+      <p:nvGrpSpPr>
+        <p:cNvPr id="1" name=""/>
+        <p:cNvGrpSpPr/>
+        <p:nvPr/>
+      </p:nvGrpSpPr>
+      <p:grpSpPr>
+        <a:xfrm>
+          <a:off x="0" y="0"/>
+          <a:ext cx="0" cy="0"/>
+          <a:chOff x="0" y="0"/>
+          <a:chExt cx="0" cy="0"/>
+        </a:xfrm>
+      </p:grpSpPr>
+      <p:sp>
+        <p:nvSpPr>
+          <p:cNvPr id="2" name="Title 1">
+            <a:extLst>
+              <a:ext uri="{FF2B5EF4-FFF2-40B4-BE49-F238E27FC236}">
+                <a16:creationId xmlns:a16="http://schemas.microsoft.com/office/drawing/2014/main" id="{BC8CA794-1F3D-E445-C6FF-2E856238DE4D}"/>
+              </a:ext>
+            </a:extLst>
+          </p:cNvPr>
+          <p:cNvSpPr>
+            <a:spLocks noGrp="1"/>
+          </p:cNvSpPr>
+          <p:nvPr>
+            <p:ph type="title"/>
+          </p:nvPr>
+        </p:nvSpPr>
+        <p:spPr/>
+        <p:txBody>
+          <a:bodyPr/>
+          <a:lstStyle/>
+          <a:p>
+            <a:r>
+              <a:rPr lang="en-US" dirty="0"/>
+              <a:t>ask chat </a:t>
+            </a:r>
+            <a:r>
+              <a:rPr lang="en-US" dirty="0" err="1"/>
+              <a:t>gpt</a:t>
+            </a:r>
+            <a:endParaRPr lang="en-US" dirty="0"/>
+          </a:p>
+        </p:txBody>
+      </p:sp>
+      <p:sp>
+        <p:nvSpPr>
+          <p:cNvPr id="3" name="Content Placeholder 2">
+            <a:extLst>
+              <a:ext uri="{FF2B5EF4-FFF2-40B4-BE49-F238E27FC236}">
+                <a16:creationId xmlns:a16="http://schemas.microsoft.com/office/drawing/2014/main" id="{BD14D021-C965-743E-67C8-F0336A65040C}"/>
+              </a:ext>
+            </a:extLst>
+          </p:cNvPr>
+          <p:cNvSpPr>
+            <a:spLocks noGrp="1"/>
+          </p:cNvSpPr>
+          <p:nvPr>
+            <p:ph idx="1"/>
+          </p:nvPr>
+        </p:nvSpPr>
+        <p:spPr/>
+        <p:txBody>
+          <a:bodyPr>
+            <a:normAutofit lnSpcReduction="10000"/>
+          </a:bodyPr>
+          <a:lstStyle/>
+          <a:p>
+            <a:r>
+              <a:rPr lang="en-US" dirty="0"/>
+              <a:t>User</a:t>
+            </a:r>
+          </a:p>
+          <a:p>
+            <a:r>
+              <a:rPr lang="en-US" dirty="0"/>
+              <a:t>In python, I want to build a module which have submodules called grids, fluids, models each contain a class called </a:t>
+            </a:r>
+            <a:r>
+              <a:rPr lang="en-US" dirty="0" err="1"/>
+              <a:t>RegularCartesian</a:t>
+            </a:r>
+            <a:r>
+              <a:rPr lang="en-US" dirty="0"/>
+              <a:t>, </a:t>
+            </a:r>
+            <a:r>
+              <a:rPr lang="en-US" dirty="0" err="1"/>
+              <a:t>SinglePhase</a:t>
+            </a:r>
+            <a:r>
+              <a:rPr lang="en-US" dirty="0"/>
+              <a:t>, </a:t>
+            </a:r>
+            <a:r>
+              <a:rPr lang="en-US" dirty="0" err="1"/>
+              <a:t>BlackOil</a:t>
+            </a:r>
+            <a:r>
+              <a:rPr lang="en-US" dirty="0"/>
+              <a:t> respectively. now I want to have additionally a module called backends where I can simply change the backend to perform the same calculations using different options such as </a:t>
+            </a:r>
+            <a:r>
+              <a:rPr lang="en-US" dirty="0" err="1"/>
+              <a:t>numpy</a:t>
+            </a:r>
+            <a:r>
+              <a:rPr lang="en-US" dirty="0"/>
+              <a:t>, </a:t>
+            </a:r>
+            <a:r>
+              <a:rPr lang="en-US" dirty="0" err="1"/>
+              <a:t>pytorch</a:t>
+            </a:r>
+            <a:r>
+              <a:rPr lang="en-US" dirty="0"/>
+              <a:t>, </a:t>
+            </a:r>
+            <a:r>
+              <a:rPr lang="en-US" dirty="0" err="1"/>
+              <a:t>jax</a:t>
+            </a:r>
+            <a:r>
+              <a:rPr lang="en-US" dirty="0"/>
+              <a:t>, or </a:t>
+            </a:r>
+            <a:r>
+              <a:rPr lang="en-US" dirty="0" err="1"/>
+              <a:t>tensorflow</a:t>
+            </a:r>
+            <a:r>
+              <a:rPr lang="en-US" dirty="0"/>
+              <a:t>. I want a feature where I can compile my classes in models module so I can decide the solution type (stype) and the method used and optionally to set the backend option. </a:t>
+            </a:r>
+            <a:r>
+              <a:rPr lang="en-US"/>
+              <a:t>I also want to have the opportunity to change the backend option for all modules at once. </a:t>
+            </a:r>
+            <a:endParaRPr lang="en-US" dirty="0"/>
+          </a:p>
+        </p:txBody>
+      </p:sp>
+    </p:spTree>
+    <p:extLst>
+      <p:ext uri="{BB962C8B-B14F-4D97-AF65-F5344CB8AC3E}">
+        <p14:creationId xmlns:p14="http://schemas.microsoft.com/office/powerpoint/2010/main" val="1301045699"/>
+      </p:ext>
+    </p:extLst>
+  </p:cSld>
+  <p:clrMapOvr>
+    <a:masterClrMapping/>
+  </p:clrMapOvr>
+</p:sld>
+</file>
+
 <file path=ppt/tags/tag1.xml><?xml version="1.0" encoding="utf-8"?>
 <p:tagLst xmlns:a="http://schemas.openxmlformats.org/drawingml/2006/main" xmlns:r="http://schemas.openxmlformats.org/officeDocument/2006/relationships" xmlns:p="http://schemas.openxmlformats.org/presentationml/2006/main">
   <p:tag name="EMPOWERCHARTSPROPERTIES_B_0" val="AAAAAAH//////////wEAAAAAAAAAAAAAACoqIFRoaXMgaXMgYSBMaXRlREIgZmlsZSAqKgcEAP////8FAAAAAQAAAAAAAAAAAAAAAAAAAAAAAAAAAAAAAAAAAAAAAAAAAAAAAAABEQAAAFByb3BlcnR5RG9jdW1lbnRzAgAAAAAAAAAAAAAAAAAAAAAAAAAAAAAAAAAAAAAAAAAAAAAAAAAAAAAAAAAAAAAAAAAAAAAAAAAAAAAAAAAAAAAAAAAAAAAAAAAAAAAAAAAAAAAAAAAAAAAAAAAAAAAAAAAAAAAAAAAAAAAAAAAAAAAAAAAAAAAAAAAAAAAAAAAAAAAAAAAAAAAAAAAAAAAAAAAAAAAAAAAAAAAAAAAAAAAAAAAAAAAAAAAAAAAAAAAAAAAAAAAAAAAAAAAAAAAAAAAAAAAAAAAAAAAAAAAAAAAAAAAAAAAAAAAAAAAAAAAAAAAAAAAAAAAAAAAAAAAAAAAAAAAAAAAAAAAAAAAAAAAAAAAAAAAAAAAAAAAAAAAAAAAAAAAAAAAAAAAAAAAAAAAAAAAAAAAAAAAAAAAAAAAAAAAAAAAAAAAAAAAAAAAAAAAAAAAAAAAAAAAAAAAAAAAAAAAAAAAAAAAAAAAAAAAAAAAAAAAAAAAAAAAAAAAAAAAAAAAAAAAAAAAAAAAAAAAAAAAAAAAAAAAAAAAAAAAAAAAAAAAAAAAAAAAAAAAAAAAAAAAAAAAAAAAAAAAAAAAAAAAAAAAAAAAAAAAAAAAAAAAAAAAAAAAAAAAAAAAAAAAAAAAAAAAAAAAAAAAAAAAAAAAAAAAAAAAAAAAAAAAAAAAAAAAAAAAAAAAAAAAAAAAAAAAAAAAAAAAAAAAAAAAAAAAAAAAAAAAAAAAAAAAAAAAAAAAAAAAAAAAAAAAAAAAAAAAAAAAAAAAAAAAAAAAAAAAAAAAAAAAAAAAAAAAAAAAAAAAAAAAAAAAAAAAAAAAAAAAAAAAAAAAAAAAAAAAAAAAAAAAAAAAAAAAAAAAAAAAAAAAAAAAAAAAAAAAAAAAAAAAAAAAAAAAAAAAAAAAAAAAAAAAAAAAAAAAAAAAAAAAAAAAAAAAAAAAAAAAAAAAAAAAAAAAAAAAAAAAAAAAAAAAAAAAAAAAAAAAAAAAAAAAAAAAAAAAAAAAAAAAAAAAAAAAAAAAAAAAAAAAAAAAAAAAAAAAAAAAAAAAAAAAAAAAAAAAAAAAAAAAAAAAAAAAAAAAAAAAAAAAAAAAAAAAAAAAAAAAAAAAAAAAAAAAAAAAAAAAAAAAAAAAAAAAAAAAAAAAAAAAAAAAAAAAAAAAAAAAAAAAAAAAAAAAAAAAAAAAAAAAAAAAAAAAAAAAAAAAAAAAAAAAAAAAAAAAAAAAAAAAAAAAAAAAAAAAAAAAAAAAAAAAAAAAAAAAAAAAAAAAAAAAAAAAAAAAAAAAAAAAAAAAAAAAAAAAAAAAAAAAAAAAAAAAAAAAAAAAAAAAAAAAAAAAAAAAAAAAAAAAAAAAAAAAAAAAAAAAAAAAAAAAAAAAAAAAAAAAAAAAAAAAAAAAAAAAAAAAAAAAAAAAAAAAAAAAAAAAAAAAAAAAAAAAAAAAAAAAAAAAAAAAAAAAAAAAAAAAAAAAAAAAAAAAAAAAAAAAAAAAAAAAAAAAAAAAAAAAAAAAAAAAAAAAAAAAAAAAAAAAAAAAAAAAAAAAAAAAAAAAAAAAAAAAAAAAAAAAAAAAAAAAAAAAAAAAAAAAAAAAAAAAAAAAAAAAAAAAAAAAAAAAAAAAAAAAAAAAAAAAAAAAAAAAAAAAAAAAAAAAAAAAAAAAAAAAAAAAAAAAAAAAAAAAAAAAAAAAAAAAAAAAAAAAAAAAAAAAAAAAAAAAAAAAAAAAAAAAAAAAAAAAAAAAAAAAAAAAAAAAAAAAAAAAAAAAAAAAAAAAAAAAAAAAAAAAAAAAAAAAAAAAAAAAAAAAAAAAAAAAAAAAAAAAAAAAAAAAAAAAAAAAAAAAAAAAAAAAAAAAAAAAAAAAAAAAAAAAAAAAAAAAAAAAAAAAAAAAAAAAAAAAAAAAAAAAAAAAAAAAAAAAAAAAAAAAAAAAAAAAAAAAAAAAAAAAAAAAAAAAAAAAAAAAAAAAAAAAAAAAAAAAAAAAAAAAAAAAAAAAAAAAAAAAAAAAAAAAAAAAAAAAAAAAAAAAAAAAAAAAAAAAAAAAAAAAAAAAAAAAAAAAAAAAAAAAAAAAAAAAAAAAAAAAAAAAAAAAAAAAAAAAAAAAAAAAAAAAAAAAAAAAAAAAAAAAAAAAAAAAAAAAAAAAAAAAAAAAAAAAAAAAAAAAAAAAAAAAAAAAAAAAAAAAAAAAAAAAAAAAAAAAAAAAAAAAAAAAAAAAAAAAAAAAAAAAAAAAAAAAAAAAAAAAAAAAAAAAAAAAAAAAAAAAAAAAAAAAAAAAAAAAAAAAAAAAAAAAAAAAAAAAAAAAAAAAAAAAAAAAAAAAAAAAAAAAAAAAAAAAAAAAAAAAAAAAAAAAAAAAAAAAAAAAAAAAAAAAAAAAAAAAAAAAAAAAAAAAAAAAAAAAAAAAAAAAAAAAAAAAAAAAAAAAAAAAAAAAAAAAAAAAAAAAAAAAAAAAAAAAAAAAAAAAAAAAAAAAAAAAAAAAAAAAAAAAAAAAAAAAAAAAAAAAAAAAAAAAAAAAAAAAAAAAAAAAAAAAAAAAAAAAAAAAAAAAAAAAAAAAAAAAAAAAAAAAAAAAAAAAAAAAAAAAAAAAAAAAAAAAAAAAAAAAAAAAAAAAAAAAAAAAAAAAAAAAAAAAAAAAAAAAAAAAAAAAAAAAAAAAAAAAAAAAAAAAAAAAAAAAAAAAAAAAAAAAAAAAAAAAAAAAAAAAAAAAAAAAAAAAAAAAAAAAAAAAAAAAAAAAAAAAAAAAAAAAAAAAAAAAAAAAAAAAAAAAAAAAAAAAAAAAAAAAAAAAAAAAAAAAAAAAAAAAAAAAAAAAAAAAAAAAAAAAAAAAAAAAAAAAAAAAAAAAAAAAAAAAAAAAAAAAAAAAAAAAAAAAAAAAAAAAAAAAAAAAAAAAAAAAAAAAAAAAAAAAAAAAAAAAAAAAAAAAAAAAAAAAAAAAAAAAAAAAAAAAAAAAAAAAAAAAAAAAAAAAAAAAAAAAAAAAAAAAAAAAAAAAAAAAAAAAAAAAAAAAAAAAAAAAAAAAAAAAAAAAAAAAAAAAAAAAAAAAAAAAAAAAAAAAAAAAAAAAAAAAAAAAAAAAAAAAAAAAAAAAAAAAAAAAAAAAAAAAAAAAAAAAAAAAAAAAAAAAAAAAAAAAAAAAAAAAAAAAAAAAAAAAAAAAAAAAAAAAAAAAAAAAAAAAAAAAAAAAAAAAAAAAAAAAAAAAAAAAAAAAAAAAAAAAAAAAAAAAAAAAAAAAAAAAAAAAAAAAAAAAAAAAAAAAAAAAAAAAAAAAAAAAAAAAAAAAAAAAAAAAAAAAAAAAAAAAAAAAAAAAAAAAAAAAAAAAAAAAAAAAAAAAAAAAAAAAAAAAAAAAAAAAAAAAAAAAAAAAAAAAAAAAAAAAAAAAAAAAAAAAAAAAAAAAAAAAAAAAAAAAAAAAAAAAAAAAAAAAAAAAAAAAAAAAAAAAAAAAAAAAAAAAAAAAAAAAAAAAAAAAAAAAAAAAAAAAAAAAAAAAAAAAAAAAAAAAAAAAAAAAAAAAAAAAAAAAAAAAAAAAAAAAAAAAAAAAAAAAAAAAAAAAAAAAAAAAAAAAAAAAAAAAAAAAAAAAAAAAAAAAAAAAAAAAAAAAAAAAAAAAAAAAAAAAAAAAAAAAAAAAAAAAAAAAAAAAAAAAAAAAAAAAAAAAAAAAAAAAAAAAAAAAAAAAAAAAAAAAAAAAAAAAAAAAAAAAAAAAAAAAAAAAAAAAAAAAAAAAAAAAAAAAAAAAAAAAAAAAAAAAAAAAAAAAAAAAAAAAAAAAAAAAAAAAAAAAAAAAAAAAAAAAAAAAAAAAAAAAAAAAAAAAAAAAAAAAAAAAAAAAAAAAAAAAAAAAAAAAAAAAAAAAAAAAAAAAAAAAAAAAAAAAAAAAAAAAAAAAAAAAAAAAAAAAAAAAAAAAAAAAAAAAAAAAAAAAAAAAAAAAAAAAAAAAAAAAAAAAAAAAAAAAAAAAAAAAAAAAAAAAAAAAAAAAAAAAAAAAAAAAAAAAAAAAAAAAAAAAAAAAAAAAAAAAAAAAAAAAAAAAAAAAAAAAAAAAAAAAAAAAAAAAAAAAAAAAAAAAAAAAAAAAAAAAAAAAAAAAAAAAAAAAAAAAAAAAAAAAAAAAAAAAAAAAAAAAAAAAAAAAAAAAAAAAAAAAAAAAAAAAAAAAAAAAAAAAAAAAAAAAAAAAAAAAAAAAAAAAAAAAAAAAAAAAAAAAAAAAAAAAAAAAAAAAAAAAAAAAAAAAAAAAAAAAAAAAAAAAAAAAAAAAAAAAAAAAAAAAAAAAAAAAAAAAAAAAAAAAAAAAAAAAAAAAAAAAAAAAAAAAAAAAAAAAAAAAAAAAAAAAAAAAAAAAAAAAAAAAAAAAAAAAAAAAAAAAAAAAAAAAAAAAAAAAAAAAAAAAAAAAAAAAAAAAAAAAAAAAAAAAAAAAAAAAAAAAAAAAAAAAAAAAAAAAAAAAAAAAAAAAAAAAAAAAAAAAAAAAAAAAAAAAAAAAAAAAAAAAAAAAAAAAAAAAAAAAAAAAAAAAAAAAAAAAAAAAAAAAAAAAAAAAAAAAAAAAAAAAAAAAAAAAAAAAAAAAAAAAAAAAAAAAAAAAAAAAAAAAAAAAAAAAAAAAAAAAAAAAAAAAAAAAAAAAAAAAAAAAAAAAAAAAAAAAAAAAAAAAAAAAAAAAAAAAAAAAAAAAAAAAAAAAAAAAAAAAAAAAAAAAAAAAAAAAAAAAAAAAAAAAAAAAAAAAAAAAAAAAAAAAAAAAAAAAAAAAAAAAAAAAAAAAAAAAAAAAAAAAAAAAAAAAAAAAAAAAAAAAAAAAAAAAAAAAAAAAAAAAAAAAAAAAAAAAAAAAAAAAAAAAAAAAAAAAAAAAAAAAAAAAAAAAAAAAAAAAAAAAAAAAAAAAAAAAAAAAAAAAAAAAAAAAAAAAAAAAAAAAAAAAAAAAAAAAAAAAAAAAAAAAAAAAAAAAAAAAAAAAAAAAAAAAAAAAAAAAAAAAAAAAAAAAAAAAAAAAAAAAAAAAAAAAAAAAAAAAAAAAAAAAAAAAAAAAAAAAAAAAAAAAAAAAAAAAAAAAAAAAAAAAAAAAAAAAAAAAAAAAAAAAAAAAAAAAAAAAAAAAAAAAAAAAAAAAAAAAAAAAAAAAAAAAAAAAAAAAAAAAAAAAAAAAAAAAAAAAAAAAAAAAAAAAAAAAAAAAAAAAAAAAAAAAAAAAAAAAAAAAAAAAAAAAAAAAAAAAAAAAAAAAAAAAAAAAAAAAAAAAAAAAAAAAAAAAAAAAAAAAAAAAAAAAAAAAAAAAAAAAAAAAAAAAAAAAAAAAAAAAAAAAAAAAAAAAAAAAAAAAAAAAAAAAAAAAAAAAAAAAAAAAAAAAAAAAAAAAAAAAAAAAAAAAAAAAAAAAAAAAAAAAAAAAAAAAAAAAAAAAAAAAAAAAAAAAAAAAAAAAAAAAAAAAAAAAAAAAAAAAAAAAAAAAAAAAAAAAAAAAAAAAAAAAAAAAAAAAAAAAAAAAAAAAAAAAAAAAAAAAAAAAAAAAAAAAAAAAAAAAAAAAAAAAAAAAAAAAAAAAAAAAAAAAAAAAAAAAAAAAAAAAAAAAAAAAAAAAAAAAAAAAAAAAAAAAAAAAAAAAAAAAAAAAAAAAAAAAAAAAAAAAAAAAAAAAAAAAAAAAAAAAAAAAAAAAAAAAAAAAAAAAAAAAAAAAAAAAAAAAAAAAAAAAAAAAAAAAAAAAAAAAAAAAAAAAAAAAAAAAAAAAAAAAAAAAAAAAAAAAAAAAAAAAAAAAAAAAAAAAAAAAAAAAAAAAAAAAAAAAAAAAAAAAAAAAAAAAAAAAAAAAAAAAAAAAAAAAAAAAAAAAAAAAAAAAAAAAAAAAAAAAAAAAAAAAAAAAAAAAAAAAAAAAAAAAAAAAAAAAAAAAAAAAAAAAAAAAAAAAAAAAAAAAAAAAAAAAAAAAAAAAAAAAAAAAAAAAAAAAAAAAAAAAAAAAAAAAAAAAAAAAAAAAAAAAAAAAAAAAAAAAAAAAAAAAAAAAAAAAAAAAAAAAAAAAAAAAAAAAAAAAAAAAAAAAAAAAAAAAAAAAAAAAAAAAAAAAAAAAAAAAAAAAAAAAAAAAAAAAAAAAAAAAAAAAAAAAAAAAAAAAAAAAAAAAAAAAAAAAAAAAAAAAAAAAAAAAAAAAAAAAAAAAAAAAAAAAAAAAAAAAAAAAAAAAAAAAAAAAAAAAAAAAAAAAAAAAAAAAAAAAAAAAAAAAAAAAAAAAAAAAAAAAAAAAAAAAAAAAAAAAAAAAAAAAAAAAAAAAAAAAAAAAAAAAAAAAAAAAAAAAAAAAAAAAAAAAAAAAAAAAAAAAAAAAAAAAAAAAAAAAAAAAAAAAAAAAAAAAAAAAAAAAAAAAAAAAAAAAAAAAAAAAAAAAAAAAAAAAAAAAAAAAAAAAAAAAAAAAAAAAAAAAAAAAAAAAAAAAAAAAAAAAAAAAAAAAAAAAAAAAAAAAAAAAAAAAAAAAAAAAAAAAAAAAAAAAAAAAAAAAAAAAAAAAAAAAAAAAAAAAAAAAAAAAAAAAAAAAAAAAAAAAAAAAAAAAAAAAAAAAAAAAAAAAAAAAAAAAAAAAAAAAAAAAAAAAAAAAAAAAAAAAAAAAAAAAAAAAAAAAAAAAAAAAAAAAAAAAAAAAAAAAAAAAAAAAAAAAAAAAAAAAAAAAAAAAAAAAAAAAAAAAAAAAAAAAAAAAAAAAAAAAAAAAAAAAAAAAAAAAAAAAAAAAAAAAAAAAAAAAAAAAAAAAAAAAAAAAAAAAAAAAAAAAAAAAAAAAAAAAAAAAAAAAAAAAAAAAAAAAAAAAAAAAAAAAAAAAAAAAAAAAAAAAAAAAAAAAAAAAAAAAAAAAAAAAAAAAAAAAAAAAAAAAAAAAAAAAAAAAAAAAAAAAAAAAAAAAAAAAAAAAAAAAAAAAAAAAAAAAAAAAAAAAAAAAAAAAAAAAAAAAAAAAAAAAAAAAAAAAAAAAAAAAAAAAAAAAAAAAAAAAAAAAAAAAAAAAAAAAAAAAAAAAAAAAAAAAAAAAAAAAAAAAAAAAAAAAAAAAAAAAAAAAAAAAAAAAAAAAAAAAAAAAAAAAAAAAAAAAAAAAAAAAAAAAAAAAAAAAAAAAAAAAAAAAAAAAAAAAAAAAAAAAAAAAAAAAAAAAAAAAAAAAAAAAAAAAAAAAAAAAAAAAAAAAAAAAAAAAAAAAAAAAAAAAAAAAAAAAAAAAAAAAAAAAAAAAAAAAAAAAAAAAAAAAAAAAAAAAAAAAAAAAAAAAAAAAAAAAAAAAAAAAAAAAAAAAAAAAAAAAAAAAAAAAAAAAAAAAAAAAAAAAAAAAAAAAAAAAAAAAAAAAAAAAAAAAAAAAAAAAAAAAAAAAAAAAAAAAAAAAAAAAAAAAAAAAAAAAAAAAAAAAAAAAAAAAAAAAAAAAAAAAAAAAAAAAAAAAAAAAAAAAAAAAAAAAAAAAAAAAAAAAAAAAAAAAAAAAAAAAAAAAAAAAAAAAAAAAAAAAAAAAAAAAAAAAAAAAAAAAAAAAAAAAAAAAAAAAAAAAAAAAAAAAAAAAAAAAAAAAAAAAAAAAAAAAAAAAAAAAAAAAAAAAAAAAAAAAAAAAAAAAAAAAAAAAAAAAAAAAAAAAAAAAAAAAAAAAAAAAAAAAAAAAAAAAAAAAAAAAAAAAAAAAAAAAAAAAAAAAAAAAAAAAAAAAAAAAAAAAAAAAAAAAAAAAAAAAAAAAAAAAAAAAAAAAAAAAAAAAAAAAAAAAAAAAAAAAAAAAAAAAAAAAAAAAAAAAAAAAAAAAAAAAAAAAAAAAAAAAAAAAAAAAAAAAAAAAAAAAAAAAAAAAAAAAAAAAAAAAAAAAAAAAAAAAAAAAAAAAAAAAAAAAAAAAAAAAAAAAAAAAAAAAAAAAAAAAAAAAAAAAAAAAAAAAAAAAAAAAAAAAAAAAAAAAAAAAAAAAAAAAAAAAAAAAAAAAAAAAAAAAAAAAAAAAAAAAAAAAAAAAAAAAAAAAAAAAAAAAAAAAAAAAAAAAAAAAAAAAAAAAAAAAAAAAAAAAAAAAAAAAAAAAAAAAAAAAAAAAAAAAAAAAAAAAAAAAAAAAAAAAAAAAAAAAAAAAAAAAAAAAAAAAAAAAAAAAAAAAAAAAAAAAAAAAAAAAAAAAAAAAAAAAAAAAAAAAAAAAAAAAAAAAAAAAAAAAAAAAAAAAAAAAAAAAAAAAAAAAAAAAAAAAAAAAAAAAAAAAAAAAAAAAAAAAAAAAAAAAAAAAAAAAAAAAAAAAAAAAAAAAAAAAAAAAAAAAAAAAAAAAAAAAAAAAAAAAAAAAAAAAAAAAAAAAAAAAAAAAAAAAAAAAAAAAAAAAAAAAAAAAAAAAAAAAAAAAAAAAAAAAAAAAAAAAAAAAAAAAAAAAAAAAAAAAAAAAAAAAAAAAAAAAAAAAAAAAAAAAAAAAAAAAAAAAAAAAAAAAAAAAAAAAAAAAAAAAAAAAAAAAAAAAAAAAAAAAAAAAAAAAAAAAAAAAAAAAAAAAAAAAAAAAAAAAAAAAAAAAAAAAAAAAAAAAAAAAAAAAAAAAAAAAAAAAAAAAAAAAAAAAAAAAAAAAAAAAAAAAAAAAAAAAAAAAAAAAAAAAAAAAAAAAAAAAAAAAAAAAAAAAAAAAAAAAAAAAAAAAAAAAAAAAAAAAAAAAAAAAAAAAAAAAAAAAAAAAAAAAAAAAAAAAAAAAAAAAAAAAAAAAAAAAAAAAAAAAAAAAAAAAAAAAAAAAAAAAAAAAAAAAAAAAAAAAAAAAAAAAAAAAAAAAAAAAAAAAAAAAAAAAAAAAAAAAAAAAAAAAAAAAAAAAAAAAAAAAAAAAAAAAAAAAAAAAAAAAAAAAAAAAAAAAAAAAAAAAAAAAAAAAAAAAAAAAAAAAAAAAAAAAAAAAAAAAAAAAAAAAAAAAAAAAAAAAAAAAAAAAAAAAAAAAAAAAAAAAAAAAAAAAAAAAAAAAAAAAAAAAAAAAAAAAAAAAAAAAAAAAAAAAAAAAAAAAAAAAAAAAAAAAAAAAAAAAAAAAAAAAAAAAAAAAAAAAAAAAAAAAAAAAAAAAAAAAAAAAAAAAAAAAAAAAAAAAAAAAAAAAAAAAAAAAAAAAAAAAAAAAAAAAAAAAAAAAAAAAAAAAAAAAAAAAAAAAAAAAAAAAAAAAAAAAAAAAAAAAAAAAAAAAAAAAAAAAAAAAAAAAAAAAAAAAAAAAAAAAAAAAAAAAAAAAAAAAAAAAAAAAAAAAAAAAAAAAAAAAAAAAAAAAAAAAAAAAAAAAAAAAAAAAAAAAAAAAAAAAAAAAAAAAAAAAAAAAAAAAAAAAAAAAAAAAAAAAAAAAAAAAAAAAAAAAAAAAAAAAAAAAAAAAAAAAAAAAAAAAAAAAAAAAAAAAAAAAAAAAAAAAAAAAAAAAAAAAAAAAAAAAAAAAAAAAAAAAAAAAAAAAAAAAAAAAAAAAAAAAAAAAAAAAAAAAAAAAAAAAAAAAAAAAAAAAAAAAAAAAAAAAAAAAAAAAAAAAAAAAAAAAAAAAAAAAAAAAAAAAAAAAAAAAAAAAAAAAAAAAAAAAAAAAAAAAAAAAAAAAAAAAAAAAAAAAAAAAAAAAAAAAAAAAAAAAAAAAAAAAAAAAAAAAAAAAAAAAAAAAAAAAAAAAAAAAAAAAAAAAAAAAAAAAAAAAAAAAAAAAAAAAAAAAAAAAAAAAAAAAAAAAAAAAAAAAAAAAAAAAAAAAAAAAAAAAAAAAAAAAAAAAAAAAAAAAAAAAAAAAAAAAAAAAAAAAAAAAAAAAAAAAAAAAAAAAAAAAAAAAAAAAAAAAAAAAAAAAAAAAAAAAAAAAAAAAAAAAAAAAAAAAAAAAAAAAAAAAAAAAAAAAAAAAAAAAAAAAAAAAAAAAAAAAAAAAAAAAAAAAAAAAAAAAAAAAAAAAAAAAAAAAAAAAAAAAAAAAAAAAAAAAAAAAAAAAAAAAAAAAAAAAAAAAAAAAAAAAAAAAAAAAAAAAAAAAAAAAAAAAAAAAAAAAAAAAAAAAAAAAAAAAAAAAAAAAAAAAAAAAAAAAAAAAAAAAAAAAAAAAAAAAAAAAAAAAAAAAAAAAAAAAAAAAAAAAAAAAAAAAAAAAAAAAAAAAAAAAAAAAAAAAAAAAAAAAAAAAAAAAAAAAAAAAAAAAAAAAAAAAAAAAAAAAAAAAAAAAAAAAAAAAAAAAAAAAAAAAAAAAAAAAAAAAAAAAAAAAAAAAAAAAAAAAAAAAAAAAAAAAAAAAAAAAAAAAAAAAAAAAAAAAAAAAAAAAAAAAAAAAAAAAAAAAAAAAAAAAAAAAAAAAAAAAAAAAAAAAAAAAAAAAAAAAAAAAAAAAAAAAAAAAAAAAAAAAAAAAAAAAAAAAAAAAAAAAAAAAAAAAAAAAAAAAAAAAAAAAAAAAAAAAAAAAAAAAAAAAAAAAAAAAAAAAAAAAAAAAAAAAAAAAAAAAAAAAAAAAAAAAAAAAAAAAAAAAAAAAAAAAAAAAAAAAAAAAAAAAAAAAAAAAAAAAAAAAAAAAAAAAAAAAAAAAAAAAAAAAAAAAAAAAAAAAAAAAAAAAAAAAAAAAAAAAAAAAAAAAAAAAAAAAAAAAAAAAAAAAAAAAAAAAAAAAAAAAAAAAAAAAAAAAAAAAAAAAAAAAAAAAAAAAAAAAAAAAAAAAAAAAAAAAAAAAAAAAAAAAAAAAAAAAAAAAAAAAAAAAAAAAAAAAAAAAAAAAAAAAAAAAAAAAAAAAAAAAAAAAAAAAAAAAAAAAAAAAAAAAAAAAAAAAAAAAAAAAAAAAAAAAAAAAAAAAAAAAAAAAAAAAAAAAAAAAAAAAAAAAAAAAAAAAAAAAAAAAAAAAAAAAAAAACAAAAAv//////////AQAAAAAAAAAAAAAAEQAAAFByb3BlcnR5RG9jdW1lbnRzAgAAAAAAAAAFAAAACQAAAF9pZD0kLl9pZAEDAAAAAAADAAAAAQADAAAAIwAAAENvbWJpSW5kZXg9JC5OYW1lICsgJ18nICsgJC5WZXJzaW9uAQQAAAAAAAQAAAABAAQAAAAAAAAAAP///////wAAAAAAAP////8AAAAAAP///////wAAAAAAAP////8AAAAAAP///////wAAAAAAAP////8AAAAAAP///////wAAAAAAAP////8AAAAAAP///////wAAAAAAAP////8AAAAAAP///////wAAAAAAAP////8AAAAAAP///////wAAAAAAAP////8AAAAAAP///////wAAAAAAAP////8AAAAAAP///////wAAAAAAAP////8AAAAAAP///////wAAAAAAAP////8AAAAAAP///////wAAAAAAAP////8AAAAAAP///////wAAAAAAAP////8AAAAAAP///////wAAAAAAAP////8AAAAAAP///////wAAAAAAAP////8AAAAAAAAAAAAAAAAAAAAAAAAAAAAAAAAAAAAAAAAAAAAAAAAAAAAAAAAAAAAAAAAAAAAAAAAAAAAAAAAAAAAAAAAAAAAAAAAAAAAAAAAAAAAAAAAAAAAAAAAAAAAAAAAAAAAAAAAAAAAAAAAAAAAAAAAAAAAAAAAAAAAAAAAAAAAAAAAAAAAAAAAAAAAAAAAAAAAAAAAAAAAAAAAAAAAAAAAAAAAAAAAAAAAAAAAAAAAAAAAAAAAAAAAAAAAAAAAAAAAAAAAAAAAAAAAAAAAAAAAAAAAAAAAAAAAAAAAAAAAAAAAAAAAAAAAAAAAAAAAAAAAAAAAAAAAAAAAAAAAAAAAAAAAAAAAAAAAAAAAAAAAAAAAAAAAAAAAAAAAAAAAAAAAAAAAAAAAAAAAAAAAAAAAAAAAAAAAAAAAAAAAAAAAAAAAAAAAAAAAAAAAAAAAAAAAAAAAAAAAAAAAAAAAAAAAAAAAAAAAAAAAAAAAAAAAAAAAAAAAAAAAAAAAAAAAAAAAAAAAAAAAAAAAAAAAAAAAAAAAAAAAAAAAAAAAAAAAAAAAAAAAAAAAAAAAAAAAAAAAAAAAAAAAAAAAAAAAAAAAAAAAAAAAAAAAAAAAAAAAAAAAAAAAAAAAAAAAAAAAAAAAAAAAAAAAAAAAAAAAAAAAAAAAAAAAAAAAAAAAAAAAAAAAAAAAAAAAAAAAAAAAAAAAAAAAAAAAAAAAAAAAAAAAAAAAAAAAAAAAAAAAAAAAAAAAAAAAAAAAAAAAAAAAAAAAAAAAAAAAAAAAAAAAAAAAAAAAAAAAAAAAAAAAAAAAAAAAAAAAAAAAAAAAAAAAAAAAAAAAAAAAAAAAAAAAAAAAAAAAAAAAAAAAAAAAAAAAAAAAAAAAAAAAAAAAAAAAAAAAAAAAAAAAAAAAAAAAAAAAAAAAAAAAAAAAAAAAAAAAAAAAAAAAAAAAAAAAAAAAAAAAAAAAAAAAAAAAAAAAAAAAAAAAAAAAAAAAAAAAAAAAAAAAAAAAAAAAAAAAAAAAAAAAAAAAAAAAAAAAAAAAAAAAAAAAAAAAAAAAAAAAAAAAAAAAAAAAAAAAAAAAAAAAAAAAAAAAAAAAAAAAAAAAAAAAAAAAAAAAAAAAAAAAAAAAAAAAAAAAAAAAAAAAAAAAAAAAAAAAAAAAAAAAAAAAAAAAAAAAAAAAAAAAAAAAAAAAAAAAAAAAAAAAAAAAAAAAAAAAAAAAAAAAAAAAAAAAAAAAAAAAAAAAAAAAAAAAAAAAAAAAAAAAAAAAAAAAAAAAAAAAAAAAAAAAAAAAAAAAAAAAAAAAAAAAAAAAAAAAAAAAAAAAAAAAAAAAAAAAAAAAAAAAAAAAAAAAAAAAAAAAAAAAAAAAAAAAAAAAAAAAAAAAAAAAAAAAAAAAAAAAAAAAAAAAAAAAAAAAAAAAAAAAAAAAAAAAAAAAAAAAAAAAAAAAAAAAAAAAAAAAAAAAAAAAAAAAAAAAAAAAAAAAAAAAAAAAAAAAAAAAAAAAAAAAAAAAAAAAAAAAAAAAAAAAAAAAAAAAAAAAAAAAAAAAAAAAAAAAAAAAAAAAAAAAAAAAAAAAAAAAAAAAAAAAAAAAAAAAAAAAAAAAAAAAAAAAAAAAAAAAAAAAAAAAAAAAAAAAAAAAAAAAAAAAAAAAAAAAAAAAAAAAAAAAAAAAAAAAAAAAAAAAAAAAAAAAAAAAAAAAAAAAAAAAAAAAAAAAAAAAAAAAAAAAAAAAAAAAAAAAAAAAAAAAAAAAAAAAAAAAAAAAAAAAAAAAAAAAAAAAAAAAAAAAAAAAAAAAAAAAAAAAAAAAAAAAAAAAAAAAAAAAAAAAAAAAAAAAAAAAAAAAAAAAAAAAAAAAAAAAAAAAAAAAAAAAAAAAAAAAAAAAAAAAAAAAAAAAAAAAAAAAAAAAAAAAAAAAAAAAAAAAAAAAAAAAAAAAAAAAAAAAAAAAAAAAAAAAAAAAAAAAAAAAAAAAAAAAAAAAAAAAAAAAAAAAAAAAAAAAAAAAAAAAAAAAAAAAAAAAAAAAAAAAAAAAAAAAAAAAAAAAAAAAAAAAAAAAAAAAAAAAAAAAAAAAAAAAAAAAAAAAAAAAAAAAAAAAAAAAAAAAAAAAAAAAAAAAAAAAAAAAAAAAAAAAAAAAAAAAAAAAAAAAAAAAAAAAAAAAAAAAAAAAAAAAAAAAAAAAAAAAAAAAAAAAAAAAAAAAAAAAAAAAAAAAAAAAAAAAAAAAAAAAAAAAAAAAAAAAAAAAAAAAAAAAAAAAAAAAAAAAAAAAAAAAAAAAAAAAAAAAAAAAAAAAAAAAAAAAAAAAAAAAAAAAAAAAAAAAAAAAAAAAAAAAAAAAAAAAAAAAAAAAAAAAAAAAAAAAAAAAAAAAAAAAAAAAAAAAAAAAAAAAAAAAAAAAAAAAAAAAAAAAAAAAAAAAAAAAAAAAAAAAAAAAAAAAAAAAAAAAAAAAAAAAAAAAAAAAAAAAAAAAAAAAAAAAAAAAAAAAAAAAAAAAAAAAAAAAAAAAAAAAAAAAAAAAAAAAAAAAAAAAAAAAAAAAAAAAAAAAAAAAAAAAAAAAAAAAAAAAAAAAAAAAAAAAAAAAAAAAAAAAAAAAAAAAAAAAAAAAAAAAAAAAAAAAAAAAAAAAAAAAAAAAAAAAAAAAAAAAAAAAAAAAAAAAAAAAAAAAAAAAAAAAAAAAAAAAAAAAAAAAAAAAAAAAAAAAAAAAAAAAAAAAAAAAAAAAAAAAAAAAAAAAAAAAAAAAAAAAAAAAAAAAAAAAAAAAAAAAAAAAAAAAAAAAAAAAAAAAAAAAAAAAAAAAAAAAAAAAAAAAAAAAAAAAAAAAAAAAAAAAAAAAAAAAAAAAAAAAAAAAAAAAAAAAAAAAAAAAAAAAAAAAAAAAAAAAAAAAAAAAAAAAAAAAAAAAAAAAAAAAAAAAAAAAAAAAAAAAAAAAAAAAAAAAAAAAAAAAAAAAAAAAAAAAAAAAAAAAAAAAAAAAAAAAAAAAAAAAAAAAAAAAAAAAAAAAAAAAAAAAAAAAAAAAAAAAAAAAAAAAAAAAAAAAAAAAAAAAAAAAAAAAAAAAAAAAAAAAAAAAAAAAAAAAAAAAAAAAAAAAAAAAAAAAAAAAAAAAAAAAAAAAAAAAAAAAAAAAAAAAAAAAAAAAAAAAAAAAAAAAAAAAAAAAAAAAAAAAAAAAAAAAAAAAAAAAAAAAAAAAAAAAAAAAAAAAAAAAAAAAAAAAAAAAAAAAAAAAAAAAAAAAAAAAAAAAAAAAAAAAAAAAAAAAAAAAAAAAAAAAAAAAAAAAAAAAAAAAAAAAAAAAAAAAAAAAAAAAAAAAAAAAAAAAAAAAAAAAAAAAAAAAAAAAAAAAAAAAAAAAAAAAAAAAAAAAAAAAAAAAAAAAAAAAAAAAAAAAAAAAAAAAAAAAAAAAAAAAAAAAAAAAAAAAAAAAAAAAAAAAAAAAAAAAAAAAAAAAAAAAAAAAAAAAAAAAAAAAAAAAAAAAAAAAAAAAAAAAAAAAAAAAAAAAAAAAAAAAAAAAAAAAAAAAAAAAAAAAAAAAAAAAAAAAAAAAAAAAAAAAAAAAAAAAAAAAAAAAAAAAAAAAAAAAAAAAAAAAAAAAAAAAAAAAAAAAAAAAAAAAAAAAAAAAAAAAAAAAAAAAAAAAAAAAAAAAAAAAAAAAAAAAAAAAAAAAAAAAAAAAAAAAAAAAAAAAAAAAAAAAAAAAAAAAAAAAAAAAAAAAAAAAAAAAAAAAAAAAAAAAAAAAAAAAAAAAAAAAAAAAAAAAAAAAAAAAAAAAAAAAAAAAAAAAAAAAAAAAAAAAAAAAAAAAAAAAAAAAAAAAAAAAAAAAAAAAAAAAAAAAAAAAAAAAAAAAAAAAAAAAAAAAAAAAAAAAAAAAAAAAAAAAAAAAAAAAAAAAAAAAAAAAAAAAAAAAAAAAAAAAAAAAAAAAAAAAAAAAAAAAAAAAAAAAAAAAAAAAAAAAAAAAAAAAAAAAAAAAAAAAAAAAAAAAAAAAAAAAAAAAAAAAAAAAAAAAAAAAAAAAAAAAAAAAAAAAAAAAAAAAAAAAAAAAAAAAAAAAAAAAAAAAAAAAAAAAAAAAAAAAAAAAAAAAAAAAAAAAAAAAAAAAAAAAAAAAAAAAAAAAAAAAAAAAAAAAAAAAAAAAAAAAAAAAAAAAAAAAAAAAAAAAAAAAAAAAAAAAAAAAAAAAAAAAAAAAAAAAAAAAAAAAAAAAAAAAAAAAAAAAAAAAAAAAAAAAAAAAAAAAAAAAAAAAAAAAAAAAAAAAAAAAAAAAAAAAAAAAAAAAAAAAAAAAAAAAAAAAAAAAAAAAAAAAAAAAAAAAAAAAAAAAAAAAAAAAAAAAAAAAAAAAAAAAAAAAAAAAAAAAAAAAAAAAAAAAAAAAAAAAAAAAAAAAAAAAAAAAAAAAAAAAAAAAAAAAAAAAAAAAAAAAAAAAAAAAAAAAAAAAAAAAAAAAAAAAAAAAAAAAAAAAAAAAAAAAAAAAAAAAAAAAAAAAAAAAAAAAAAAAAAAAAAAAAAAAAAAAAAAAAAAAAAAAAAAAAAAAAAAAAAAAAAAAAAAAAAAAAAAAAAAAAAAAAAAAAAAAAAAAAAAAAAAAAAAAAAAAAAAAAAAAAAAAAAAAAAAAAAAAAAAAAAAAAAAAAAAAAAAAAAAAAAAAAAAAAAAAAAAAAAAAAAAAAAAAAAAAAAAAAAAAAAAAAAAAAAAAAAAAAAAAAAAAAAAAAAAAAAAAAAAAAAAAAAAAAAAAAAAAAAAAAAAAAAAAAAAAAAAAAAAAAAAAAAAAAAAAAAAAAAAAAAAAAAAAAAAAAAAAAAAAAAAAAAAAAAAAAAAAAAAAAAAAAAAAAAAAAAAAAAAAAAAAAAAAAAwIBAQEBAQEBAQEBAQEBAQIAAAAAAAAAAwAAAAMAAAAA/////wQAMwwAAAAAAAAAAAAAIAD///////////////8AAAD///////////////8DAAAAAwD///////8DAAAAAwD///////8DAAAAAwD///////////////////////////////////////////////////////////////////////////////////////////////////////////////////////////////////////////////////////////////////////////////////////////////////////////////////////////////////////////////////////////////////////////////////////////////////////////////////////////////////////////////////////////////////////////////////////////////////////////////////////////////////////////////////////////////////////////////8BACAA////////////////AAAO////////AwAAAAIA////////////////////////////////////////////////////////////////////////////////////////////////////////////////////////////////////////////////////////////////////////////////////////////////////////////////////////////////////////////////////////////////////////////////////////////////////////////////////////////////////////////////////////////////////////////////////////////////////////////////////////////////////////////////////////////////////////////////////////////////////////////////////////AgABAP///////wQAAAACABAAC0KQBKe8L/ZMnoEjTS6h8jcFAAAAAAADAAAAAwADAAAAAQADAAMA////////BAAAAAMAEAALkPbQZabBSkCVisGsXk+RTgUAAAABAAMAAAAAAAMAAAACAAMAAAAAAP///////wMAAAAAAP///////wAAAAAAAAAAAAAAAAAAAAAAAAAAAAAAAAAAAAAAAAAAAAAAAAAAAAAAAAAAAAAAAAAAAAAAAAAAAAAAAAAAAAAAAAAAAAAAAAAAAAAAAAAAAAAAAAAAAAAAAAAAAAAAAAAAAAAAAAAAAAAAAAAAAAAAAAAAAAAAAAAAAAAAAAAAAAAAAAAAAAAAAAAAAAAAAAAAAAAAAAAAAAAAAAAAAAAAAAAAAAAAAAAAAAAAAAAAAAAAAAAAAAAAAAAAAAAAAAAAAAAAAAAAAAAAAAAAAAAAAAAAAAAAAAAAAAAAAAAAAAAAAAAAAAAAAAAAAAAAAAAAAAAAAAAAAAAAAAAAAAAAAAAAAAAAAAAAAAAAAAAAAAAAAAAAAAAAAAAAAAAAAAAAAAAAAAAAAAAAAAAAAAAAAAAAAAAAAAAAAAAAAAAAAAAAAAAAAAAAAAAAAAAAAAAAAAAAAAAAAAAAAAAAAAAAAAAAAAAAAAAAAAAAAAAAAAAAAAAAAAAAAAAAAAAAAAAAAAAAAAAAAAAAAAAAAAAAAAAAAAAAAAAAAAAAAAAAAAAAAAAAAAAAAAAAAAAAAAAAAAAAAAAAAAAAAAAAAAAAAAAAAAAAAAAAAAAAAAAAAAAAAAAAAAAAAAAAAAAAAAAAAAAAAAAAAAAAAAAAAAAAAAAAAAAAAAAAAAAAAAAAAAAAAAAAAAAAAAAAAAAAAAAAAAAAAAAAAAAAAAAAAAAAAAAAAAAAAAAAAAAAAAAAAAAAAAAAAAAAAAAAAAAAAAAAAAAAAAAAAAAAAAAAAAAAAAAAAAAAAAAAAAAAAAAAAAAAAAAAAAAAAAAAAAAAAAAAAAAAAAAAAAAAAAAAAAAAAAAAAAAAAAAAAAAAAAAAAAAAAAAAAAAAAAAAAAAAAAAAAAAAAAAAAAAAAAAAAAAAAAAAAAAAAAAAAAAAAAAAAAAAAAAAAAAAAAAAAAAAAAAAAAAAAAAAAAAAAAAAAAAAAAAAAAAAAAAAAAAAAAAAAAAAAAAAAAAAAAAAAAAAAAAAAAAAAAAAAAAAAAAAAAAAAAAAAAAAAAAAAAAAAAAAAAAAAAAAAAAAAAAAAAAAAAAAAAAAAAAAAAAAAAAAAAAAAAAAAAAAAAAAAAAAAAAAAAAAAAAAAAAAAAAAAAAAAAAAAAAAAAAAAAAAAAAAAAAAAAAAAAAAAAAAAAAAAAAAAAAAAAAAAAAAAAAAAAAAAAAAAAAAAAAAAAAAAAAAAAAAAAAAAAAAAAAAAAAAAAAAAAAAAAAAAAAAAAAAAAAAAAAAAAAAAAAAAAAAAAAAAAAAAAAAAAAAAAAAAAAAAAAAAAAAAAAAAAAAAAAAAAAAAAAAAAAAAAAAAAAAAAAAAAAAAAAAAAAAAAAAAAAAAAAAAAAAAAAAAAAAAAAAAAAAAAAAAAAAAAAAAAAAAAAAAAAAAAAAAAAAAAAAAAAAAAAAAAAAAAAAAAAAAAAAAAAAAAAAAAAAAAAAAAAAAAAAAAAAAAAAAAAAAAAAAAAAAAAAAAAAAAAAAAAAAAAAAAAAAAAAAAAAAAAAAAAAAAAAAAAAAAAAAAAAAAAAAAAAAAAAAAAAAAAAAAAAAAAAAAAAAAAAAAAAAAAAAAAAAAAAAAAAAAAAAAAAAAAAAAAAAAAAAAAAAAAAAAAAAAAAAAAAAAAAAAAAAAAAAAAAAAAAAAAAAAAAAAAAAAAAAAAAAAAAAAAAAAAAAAAAAAAAAAAAAAAAAAAAAAAAAAAAAAAAAAAAAAAAAAAAAAAAAAAAAAAAAAAAAAAAAAAAAAAAAAAAAAAAAAAAAAAAAAAAAAAAAAAAAAAAAAAAAAAAAAAAAAAAAAAAAAAAAAAAAAAAAAAAAAAAAAAAAAAAAAAAAAAAAAAAAAAAAAAAAAAAAAAAAAAAAAAAAAAAAAAAAAAAAAAAAAAAAAAAAAAAAAAAAAAAAAAAAAAAAAAAAAAAAAAAAAAAAAAAAAAAAAAAAAAAAAAAAAAAAAAAAAAAAAAAAAAAAAAAAAAAAAAAAAAAAAAAAAAAAAAAAAAAAAAAAAAAAAAAAAAAAAAAAAAAAAAAAAAAAAAAAAAAAAAAAAAAAAAAAAAAAAAAAAAAAAAAAAAAAAAAAAAAAAAAAAAAAAAAAAAAAAAAAAAAAAAAAAAAAAAAAAAAAAAAAAAAAAAAAAAAAAAAAAAAAAAAAAAAAAAAAAAAAAAAAAAAAAAAAAAAAAAAAAAAAAAAAAAAAAAAAAAAAAAAAAAAAAAAAAAAAAAAAAAAAAAAAAAAAAAAAAAAAAAAAAAAAAAAAAAAAAAAAAAAAAAAAAAAAAAAAAAAAAAAAAAAAAAAAAAAAAAAAAAAAAAAAAAAAAAAAAAAAAAAAAAAAAAAAAAAAAAAAAAAAAAAAAAAAAAAAAAAAAAAAAAAAAAAAAAAAAAAAAAAAAAAAAAAAAAAAAAAAAAAAAAAAAAAAAAAAAAAAAAAAAAAAAAAAAAAAAAAAAAAAAAAAAAAAAAAAAAAAAAAAAAAAAAAAAAAAAAAAAAAAAAAAAAAAAAAAAAAAAAAAAAAAAAAAAAAAAAAAAAAAAAAAAAAAAAAAAAAAAAAAAAAAAAAAAAAAAAAAAAAAAAAAAAAAAAAAAAAAAAAAAAAAAAAAAAAAAAAAAAAAAAAAAAAAAAAAAAAAAAAAAAAAAAAAAAAAAAAAAAAAAAAAAAAAAAAAAAAAAAAAAAAAAAAAAAAAAAAAAAAAAAAAAAAAAAAAAAAAAAAAAAAAAAAAAAAAAAAAAAAAAAAAAAAAAAAAAAAAAAAAAAAAAAAAAAAAAAAAAAAAAAAAAAAAAAAAAAAAAAAAAAAAAAAAAAAAAAAAAAAAAAAAAAAAAAAAAAAAAAAAAAAAAAAAAAAAAAAAAAAAAAAAAAAAAAAAAAAAAAAAAAAAAAAAAAAAAAAAAAAAAAAAAAAAAAAAAAAAAAAAAAAAAAAAAAAAAAAAAAAAAAAAAAAAAAAAAAAAAAAAAAAAAAAAAAAAAAAAAAAAAAAAAAAAAAAAAAAAAAAAAAAAAAAAAAAAAAAAAAAAAAAAAAAAAAAAAAAAAAAAAAAAAAAAAAAAAAAAAAAAAAAAAAAAAAAAAAAAAAAAAAAAAAAAAAAAAAAAAAAAAAAAAAAAAAAAAAAAAAAAAAAAAAAAAAAAAAAAAAAAAAAAAAAAAAAAAAAAAAAAAAAAAAAAAAAAAAAAAAAAAAAAAAAAAAAAAAAAAAAAAAAAAAAAAAAAAAAAAAAAAAAAAAAAAAAAAAAAAAAAAAAAAAAAAAAAAAAAAAAAAAAAAAAAAAAAAAAAAAAAAAAAAAAAAAAAAAAAAAAAAAAAAAAAAAAAAAAAAAAAAAAAAAAAAAAAAAAAAAAAAAAAAAAAAAAAAAAAAAAAAAAAAAAAAAAAAAAAAAAAAAAAAAAAAAAAAAAAAAAAAAAAAAAAAAAAAAAAAAAAAAAAAAAAAAAAAAAAAAAAAAAAAAAAAAAAAAAAAAAAAAAAAAAAAAAAAAAAAAAAAAAAAAAAAAAAAAAAAAAAAAAAAAAAAAAAAAAAAAAAAAAAAAAAAAAAAAAAAAAAAAAAAAAAAAAAAAAAAAAAAAAAAAAAAAAAAAAAAAAAAAAAAAAAAAAAAAAAAAAAAAAAAAAAAAAAAAAAAAAAAAAAAAAAAAAAAAAAAAAAAAAAAAAAAAAAAAAAAAAAAAAAAAAAAAAAAAAAAAAAAAAAAAAAAAAAAAAAAAAAAAAAAAAAAAAAAAAAAAAAAAAAAAAAAAAAAAAAAAAAAAAAAAAAAAAAAAAAAAAAAAAAAAAAAAAAAAAAAAAAAAAAAAAAAAAAAAAAAAAAAAAAAAAAAAAAAAAAAAAAAAAAAAAAAAAAAAAAAAAAAAAAAAAAAAAAAAAAAAAAAAAAAAAAAAAAAAAAAAAAAAAAAAAAAAAAAAAAAAAAAAAAAAAAAAAAAAAAAAAAAAAAAAAAAAAAAAAAAAAAAAAAAAAAAAAAAAAAAAAAAAAAAAAAAAAAAAAAAAAAAAAAAAAAAAAAAAAAAAAAAAAAAAAAAAAAAAAAAAAAAAAAAAAAAAAAAAAAAAAAAAAAAAAAAAAAAAAAAAAAAAAAAAAAAAAAAAAAAAAAAAAAAAAAAAAAAAAAAAAAAAAAAAAAAAAAAAAAAAAAAAAAAAAAAAAAAAAAAAAAAAAAAQAAAADAAAAAP////8EACAMAAAAAAAAAAAAACAB////////////////AAAA////////////////BAAAAAMA////////BAAAAAIA////////////////////////////////////////////////////////////////////////////////////////////////////////////////////////////////////////////////////////////////////////////////////////////////////////////////////////////////////////////////////////////////////////////////////////////////////////////////////////////////////////////////////////////////////////////////////////////////////////////////////////////////////////////////////////////////////////////////////////////////AQAgAf///////////////wAADv///////wQAAAACAP///////////////////////////////////////////////////////////////////////////////////////////////////////////////////////////////////////////////////////////////////////////////////////////////////////////////////////////////////////////////////////////////////////////////////////////////////////////////////////////////////////////////////////////////////////////////////////////////////////////////////////////////////////////////////////////////////////////////////////////////////////////////////////wIAAgEDAAAAAgD///////8aAAZMaW5rZWRTaGFwZXNEYXRhUHJvcGVydHlfMAUAAAAAAAQAAAADAAQAAAABAAQAAAAAAP///////wMAAQEDAAAAAwD///////8lAAZMaW5rZWRTaGFwZVByZXNlbnRhdGlvblNldHRpbmdzRGF0YV8wBQAAAAEABAAAAAAABAAAAAIAAAAAAAAAAAAAAAAAAAAAAAAAAAAAAAAAAAAAAAAAAAAAAAAAAAAAAAAAAAAAAAAAAAAAAAAAAAAAAAAAAAAAAAAAAAAAAAAAAAAAAAAAAAAAAAAAAAAAAAAAAAAAAAAAAAAAAAAAAAAAAAAAAAAAAAAAAAAAAAAAAAAAAAAAAAAAAAAAAAAAAAAAAAAAAAAAAAAAAAAAAAAAAAAAAAAAAAAAAAAAAAAAAAAAAAAAAAAAAAAAAAAAAAAAAAAAAAAAAAAAAAAAAAAAAAAAAAAAAAAAAAAAAAAAAAAAAAAAAAAAAAAAAAAAAAAAAAAAAAAAAAAAAAAAAAAAAAAAAAAAAAAAAAAAAAAAAAAAAAAAAAAAAAAAAAAAAAAAAAAAAAAAAAAAAAAAAAAAAAAAAAAAAAAAAAAAAAAAAAAAAAAAAAAAAAAAAAAAAAAAAAAAAAAAAAAAAAAAAAAAAAAAAAAAAAAAAAAAAAAAAAAAAAAAAAAAAAAAAAAAAAAAAAAAAAAAAAAAAAAAAAAAAAAAAAAAAAAAAAAAAAAAAAAAAAAAAAAAAAAAAAAAAAAAAAAAAAAAAAAAAAAAAAAAAAAAAAAAAAAAAAAAAAAAAAAAAAAAAAAAAAAAAAAAAAAAAAAAAAAAAAAAAAAAAAAAAAAAAAAAAAAAAAAAAAAAAAAAAAAAAAAAAAAAAAAAAAAAAAAAAAAAAAAAAAAAAAAAAAAAAAAAAAAAAAAAAAAAAAAAAAAAAAAAAAAAAAAAAAAAAAAAAAAAAAAAAAAAAAAAAAAAAAAAAAAAAAAAAAAAAAAAAAAAAAAAAAAAAAAAAAAAAAAAAAAAAAAAAAAAAAAAAAAAAAAAAAAAAAAAAAAAAAAAAAAAAAAAAAAAAAAAAAAAAAAAAAAAAAAAAAAAAAAAAAAAAAAAAAAAAAAAAAAAAAAAAAAAAAAAAAAAAAAAAAAAAAAAAAAAAAAAAAAAAAAAAAAAAAAAAAAAAAAAAAAAAAAAAAAAAAAAAAAAAAAAAAAAAAAAAAAAAAAAAAAAAAAAAAAAAAAAAAAAAAAAAAAAAAAAAAAAAAAAAAAAAAAAAAAAAAAAAAAAAAAAAAAAAAAAAAAAAAAAAAAAAAAAAAAAAAAAAAAAAAAAAAAAAAAAAAAAAAAAAAAAAAAAAAAAAAAAAAAAAAAAAAAAAAAAAAAAAAAAAAAAAAAAAAAAAAAAAAAAAAAAAAAAAAAAAAAAAAAAAAAAAAAAAAAAAAAAAAAAAAAAAAAAAAAAAAAAAAAAAAAAAAAAAAAAAAAAAAAAAAAAAAAAAAAAAAAAAAAAAAAAAAAAAAAAAAAAAAAAAAAAAAAAAAAAAAAAAAAAAAAAAAAAAAAAAAAAAAAAAAAAAAAAAAAAAAAAAAAAAAAAAAAAAAAAAAAAAAAAAAAAAAAAAAAAAAAAAAAAAAAAAAAAAAAAAAAAAAAAAAAAAAAAAAAAAAAAAAAAAAAAAAAAAAAAAAAAAAAAAAAAAAAAAAAAAAAAAAAAAAAAAAAAAAAAAAAAAAAAAAAAAAAAAAAAAAAAAAAAAAAAAAAAAAAAAAAAAAAAAAAAAAAAAAAAAAAAAAAAAAAAAAAAAAAAAAAAAAAAAAAAAAAAAAAAAAAAAAAAAAAAAAAAAAAAAAAAAAAAAAAAAAAAAAAAAAAAAAAAAAAAAAAAAAAAAAAAAAAAAAAAAAAAAAAAAAAAAAAAAAAAAAAAAAAAAAAAAAAAAAAAAAAAAAAAAAAAAAAAAAAAAAAAAAAAAAAAAAAAAAAAAAAAAAAAAAAAAAAAAAAAAAAAAAAAAAAAAAAAAAAAAAAAAAAAAAAAAAAAAAAAAAAAAAAAAAAAAAAAAAAAAAAAAAAAAAAAAAAAAAAAAAAAAAAAAAAAAAAAAAAAAAAAAAAAAAAAAAAAAAAAAAAAAAAAAAAAAAAAAAAAAAAAAAAAAAAAAAAAAAAAAAAAAAAAAAAAAAAAAAAAAAAAAAAAAAAAAAAAAAAAAAAAAAAAAAAAAAAAAAAAAAAAAAAAAAAAAAAAAAAAAAAAAAAAAAAAAAAAAAAAAAAAAAAAAAAAAAAAAAAAAAAAAAAAAAAAAAAAAAAAAAAAAAAAAAAAAAAAAAAAAAAAAAAAAAAAAAAAAAAAAAAAAAAAAAAAAAAAAAAAAAAAAAAAAAAAAAAAAAAAAAAAAAAAAAAAAAAAAAAAAAAAAAAAAAAAAAAAAAAAAAAAAAAAAAAAAAAAAAAAAAAAAAAAAAAAAAAAAAAAAAAAAAAAAAAAAAAAAAAAAAAAAAAAAAAAAAAAAAAAAAAAAAAAAAAAAAAAAAAAAAAAAAAAAAAAAAAAAAAAAAAAAAAAAAAAAAAAAAAAAAAAAAAAAAAAAAAAAAAAAAAAAAAAAAAAAAAAAAAAAAAAAAAAAAAAAAAAAAAAAAAAAAAAAAAAAAAAAAAAAAAAAAAAAAAAAAAAAAAAAAAAAAAAAAAAAAAAAAAAAAAAAAAAAAAAAAAAAAAAAAAAAAAAAAAAAAAAAAAAAAAAAAAAAAAAAAAAAAAAAAAAAAAAAAAAAAAAAAAAAAAAAAAAAAAAAAAAAAAAAAAAAAAAAAAAAAAAAAAAAAAAAAAAAAAAAAAAAAAAAAAAAAAAAAAAAAAAAAAAAAAAAAAAAAAAAAAAAAAAAAAAAAAAAAAAAAAAAAAAAAAAAAAAAAAAAAAAAAAAAAAAAAAAAAAAAAAAAAAAAAAAAAAAAAAAAAAAAAAAAAAAAAAAAAAAAAAAAAAAAAAAAAAAAAAAAAAAAAAAAAAAAAAAAAAAAAAAAAAAAAAAAAAAAAAAAAAAAAAAAAAAAAAAAAAAAAAAAAAAAAAAAAAAAAAAAAAAAAAAAAAAAAAAAAAAAAAAAAAAAAAAAAAAAAAAAAAAAAAAAAAAAAAAAAAAAAAAAAAAAAAAAAAAAAAAAAAAAAAAAAAAAAAAAAAAAAAAAAAAAAAAAAAAAAAAAAAAAAAAAAAAAAAAAAAAAAAAAAAAAAAAAAAAAAAAAAAAAAAAAAAAAAAAAAAAAAAAAAAAAAAAAAAAAAAAAAAAAAAAAAAAAAAAAAAAAAAAAAAAAAAAAAAAAAAAAAAAAAAAAAAAAAAAAAAAAAAAAAAAAAAAAAAAAAAAAAAAAAAAAAAAAAAAAAAAAAAAAAAAAAAAAAAAAAAAAAAAAAAAAAAAAAAAAAAAAAAAAAAAAAAAAAAAAAAAAAAAAAAAAAAAAAAAAAAAAAAAAAAAAAAAAAAAAAAAAAAAAAAAAAAAAAAAAAAAAAAAAAAAAAAAAAAAAAAAAAAAAAAAAAAAAAAAAAAAAAAAAAAAAAAAAAAAAAAAAAAAAAAAAAAAAAAAAAAAAAAAAAAAAAAAAAAAAAAAAAAAAAAAAAAAAAAAAAAAAAAAAAAAAAAAAAAAAAAAAAAAAAAAAAAAAAAAAAAAAAAAAAAAAAAAAAAAAAAAAAAAAAAAAAAAAAAAAAAAAAAAAAAAAAAAAAAAAAAAAAAAAAAAAAAAAAAAAAAAAAAAAAAAAAAAAAAAAAAAAAAAAAAAAAAAAAAAAAAAAAAAAAAAAAAAAAAAAAAAAAAAAAAAAAAAAAAAAAAAAAAAAAAAAAAAAAAAAAAAAAAAAAAAAAAAAAAAAAAAAAAAAAAAAAAAAAAAAAAAAAAAAAAAAAAAAAAAAAAAAAAAAAAAAAAAAAAAAAAAAAAAAAAAAAAAAAAAAAAAAAAAAAAAAAAAAAAAAAAAAAAAAAAAAAAAAAAAAAAAAAAAAAAAAAAAAAAAAAAAAAAAAAAAAAAAAAAAAAAAAAAAAAAAAAAAAAAAAAAAAAAAAAAAAAAAAAAAAAAAAAAAAAAAAAAAAAAAAAAAAAAAAAAAAAAAAAAAAAAAAAAAAAAAAAAAAAAAAAAAAAAAAAAAAAAAAAAAAAAAAAAAAAAAAAAAAAAAAAAAAAAAAAAAAAAAAAAAAAAAAAAAAAAAAAAAAAAAAAAAAAAAAAAAAAAAAAAAAAAAAAAAAAAAAAAAAAAAAAAAAAAAAAAAAAAAAAAAAAAAAAAAAAAAAAAAAAAAAAAAAAAAAAAAAAAAAAAAAAAAAAAAAAAAAAAAAAAAAAAAAAAAAAAAAAAAAAAAAAAAAAAAAAAAAAAAAAAAAAAAAAAAAAAAAAAAAAAFAAAABAAAAAD/////AgCODgAAAAAAAAAAAAD/////gwCDAAAABV9pZAAQAAAABEKQBKe8L/ZMnoEjTS6h8jcDRGF0YQAbAAAABExpbmtlZFNoYXBlRGF0YQAFAAAAAAACTmFtZQAZAAAATGlua2VkU2hhcGVzRGF0YVByb3BlcnR5ABBWZXJzaW9uAAAAAAAJTGFzdFdyaXRlAOLxNeeKAQAAAAEA/////8YAxgAAAAVfaWQAEAAAAASQ9tBlpsFKQJWKwaxeT5FOA0RhdGEAUwAAAAhQcmVzZW50YXRpb25TY2FubmVkRm9yTGlua2VkU2hhcGVzAAECTnVtYmVyRm9ybWF0U2VwYXJhdG9yTW9kZQAKAAAAQXV0b21hdGljAAACTmFtZQAkAAAATGlua2VkU2hhcGVQcmVzZW50YXRpb25TZXR0aW5nc0RhdGEAEFZlcnNpb24AAAAAAAlMYXN0V3JpdGUAKvI154oBAAAAAAAAAAAAAAAAAAAAAAAAAAAAAAAAAAAAAAAAAAAAAAAAAAAAAAAAAAAAAAAAAAAAAAAAAAAAAAAAAAAAAAAAAAAAAAAAAAAAAAAAAAAAAAAAAAAAAAAAAAAAAAAAAAAAAAAAAAAAAAAAAAAAAAAAAAAAAAAAAAAAAAAAAAAAAAAAAAAAAAAAAAAAAAAAAAAAAAAAAAAAAAAAAAAAAAAAAAAAAAAAAAAAAAAAAAAAAAAAAAAAAAAAAAAAAAAAAAAAAAAAAAAAAAAAAAAAAAAAAAAAAAAAAAAAAAAAAAAAAAAAAAAAAAAAAAAAAAAAAAAAAAAAAAAAAAAAAAAAAAAAAAAAAAAAAAAAAAAAAAAAAAAAAAAAAAAAAAAAAAAAAAAAAAAAAAAAAAAAAAAAAAAAAAAAAAAAAAAAAAAAAAAAAAAAAAAAAAAAAAAAAAAAAAAAAAAAAAAAAAAAAAAAAAAAAAAAAAAAAAAAAAAAAAAAAAAAAAAAAAAAAAAAAAAAAAAAAAAAAAAAAAAAAAAAAAAAAAAAAAAAAAAAAAAAAAAAAAAAAAAAAAAAAAAAAAAAAAAAAAAAAAAAAAAAAAAAAAAAAAAAAAAAAAAAAAAAAAAAAAAAAAAAAAAAAAAAAAAAAAAAAAAAAAAAAAAAAAAAAAAAAAAAAAAAAAAAAAAAAAAAAAAAAAAAAAAAAAAAAAAAAAAAAAAAAAAAAAAAAAAAAAAAAAAAAAAAAAAAAAAAAAAAAAAAAAAAAAAAAAAAAAAAAAAAAAAAAAAAAAAAAAAAAAAAAAAAAAAAAAAAAAAAAAAAAAAAAAAAAAAAAAAAAAAAAAAAAAAAAAAAAAAAAAAAAAAAAAAAAAAAAAAAAAAAAAAAAAAAAAAAAAAAAAAAAAAAAAAAAAAAAAAAAAAAAAAAAAAAAAAAAAAAAAAAAAAAAAAAAAAAAAAAAAAAAAAAAAAAAAAAAAAAAAAAAAAAAAAAAAAAAAAAAAAAAAAAAAAAAAAAAAAAAAAAAAAAAAAAAAAAAAAAAAAAAAAAAAAAAAAAAAAAAAAAAAAAAAAAAAAAAAAAAAAAAAAAAAAAAAAAAAAAAAAAAAAAAAAAAAAAAAAAAAAAAAAAAAAAAAAAAAAAAAAAAAAAAAAAAAAAAAAAAAAAAAAAAAAAAAAAAAAAAAAAAAAAAAAAAAAAAAAAAAAAAAAAAAAAAAAAAAAAAAAAAAAAAAAAAAAAAAAAAAAAAAAAAAAAAAAAAAAAAAAAAAAAAAAAAAAAAAAAAAAAAAAAAAAAAAAAAAAAAAAAAAAAAAAAAAAAAAAAAAAAAAAAAAAAAAAAAAAAAAAAAAAAAAAAAAAAAAAAAAAAAAAAAAAAAAAAAAAAAAAAAAAAAAAAAAAAAAAAAAAAAAAAAAAAAAAAAAAAAAAAAAAAAAAAAAAAAAAAAAAAAAAAAAAAAAAAAAAAAAAAAAAAAAAAAAAAAAAAAAAAAAAAAAAAAAAAAAAAAAAAAAAAAAAAAAAAAAAAAAAAAAAAAAAAAAAAAAAAAAAAAAAAAAAAAAAAAAAAAAAAAAAAAAAAAAAAAAAAAAAAAAAAAAAAAAAAAAAAAAAAAAAAAAAAAAAAAAAAAAAAAAAAAAAAAAAAAAAAAAAAAAAAAAAAAAAAAAAAAAAAAAAAAAAAAAAAAAAAAAAAAAAAAAAAAAAAAAAAAAAAAAAAAAAAAAAAAAAAAAAAAAAAAAAAAAAAAAAAAAAAAAAAAAAAAAAAAAAAAAAAAAAAAAAAAAAAAAAAAAAAAAAAAAAAAAAAAAAAAAAAAAAAAAAAAAAAAAAAAAAAAAAAAAAAAAAAAAAAAAAAAAAAAAAAAAAAAAAAAAAAAAAAAAAAAAAAAAAAAAAAAAAAAAAAAAAAAAAAAAAAAAAAAAAAAAAAAAAAAAAAAAAAAAAAAAAAAAAAAAAAAAAAAAAAAAAAAAAAAAAAAAAAAAAAAAAAAAAAAAAAAAAAAAAAAAAAAAAAAAAAAAAAAAAAAAAAAAAAAAAAAAAAAAAAAAAAAAAAAAAAAAAAAAAAAAAAAAAAAAAAAAAAAAAAAAAAAAAAAAAAAAAAAAAAAAAAAAAAAAAAAAAAAAAAAAAAAAAAAAAAAAAAAAAAAAAAAAAAAAAAAAAAAAAAAAAAAAAAAAAAAAAAAAAAAAAAAAAAAAAAAAAAAAAAAAAAAAAAAAAAAAAAAAAAAAAAAAAAAAAAAAAAAAAAAAAAAAAAAAAAAAAAAAAAAAAAAAAAAAAAAAAAAAAAAAAAAAAAAAAAAAAAAAAAAAAAAAAAAAAAAAAAAAAAAAAAAAAAAAAAAAAAAAAAAAAAAAAAAAAAAAAAAAAAAAAAAAAAAAAAAAAAAAAAAAAAAAAAAAAAAAAAAAAAAAAAAAAAAAAAAAAAAAAAAAAAAAAAAAAAAAAAAAAAAAAAAAAAAAAAAAAAAAAAAAAAAAAAAAAAAAAAAAAAAAAAAAAAAAAAAAAAAAAAAAAAAAAAAAAAAAAAAAAAAAAAAAAAAAAAAAAAAAAAAAAAAAAAAAAAAAAAAAAAAAAAAAAAAAAAAAAAAAAAAAAAAAAAAAAAAAAAAAAAAAAAAAAAAAAAAAAAAAAAAAAAAAAAAAAAAAAAAAAAAAAAAAAAAAAAAAAAAAAAAAAAAAAAAAAAAAAAAAAAAAAAAAAAAAAAAAAAAAAAAAAAAAAAAAAAAAAAAAAAAAAAAAAAAAAAAAAAAAAAAAAAAAAAAAAAAAAAAAAAAAAAAAAAAAAAAAAAAAAAAAAAAAAAAAAAAAAAAAAAAAAAAAAAAAAAAAAAAAAAAAAAAAAAAAAAAAAAAAAAAAAAAAAAAAAAAAAAAAAAAAAAAAAAAAAAAAAAAAAAAAAAAAAAAAAAAAAAAAAAAAAAAAAAAAAAAAAAAAAAAAAAAAAAAAAAAAAAAAAAAAAAAAAAAAAAAAAAAAAAAAAAAAAAAAAAAAAAAAAAAAAAAAAAAAAAAAAAAAAAAAAAAAAAAAAAAAAAAAAAAAAAAAAAAAAAAAAAAAAAAAAAAAAAAAAAAAAAAAAAAAAAAAAAAAAAAAAAAAAAAAAAAAAAAAAAAAAAAAAAAAAAAAAAAAAAAAAAAAAAAAAAAAAAAAAAAAAAAAAAAAAAAAAAAAAAAAAAAAAAAAAAAAAAAAAAAAAAAAAAAAAAAAAAAAAAAAAAAAAAAAAAAAAAAAAAAAAAAAAAAAAAAAAAAAAAAAAAAAAAAAAAAAAAAAAAAAAAAAAAAAAAAAAAAAAAAAAAAAAAAAAAAAAAAAAAAAAAAAAAAAAAAAAAAAAAAAAAAAAAAAAAAAAAAAAAAAAAAAAAAAAAAAAAAAAAAAAAAAAAAAAAAAAAAAAAAAAAAAAAAAAAAAAAAAAAAAAAAAAAAAAAAAAAAAAAAAAAAAAAAAAAAAAAAAAAAAAAAAAAAAAAAAAAAAAAAAAAAAAAAAAAAAAAAAAAAAAAAAAAAAAAAAAAAAAAAAAAAAAAAAAAAAAAAAAAAAAAAAAAAAAAAAAAAAAAAAAAAAAAAAAAAAAAAAAAAAAAAAAAAAAAAAAAAAAAAAAAAAAAAAAAAAAAAAAAAAAAAAAAAAAAAAAAAAAAAAAAAAAAAAAAAAAAAAAAAAAAAAAAAAAAAAAAAAAAAAAAAAAAAAAAAAAAAAAAAAAAAAAAAAAAAAAAAAAAAAAAAAAAAAAAAAAAAAAAAAAAAAAAAAAAAAAAAAAAAAAAAAAAAAAAAAAAAAAAAAAAAAAAAAAAAAAAAAAAAAAAAAAAAAAAAAAAAAAAAAAAAAAAAAAAAAAAAAAAAAAAAAAAAAAAAAAAAAAAAAAAAAAAAAAAAAAAAAAAAAAAAAAAAAAAAAAAAAAAAAAAAAAAAAAAAAAAAAAAAAAAAAAAAAAAAAAAAAAAAAAAAAAAAAAAAAAAAAAAAAAAAAAAAAAAAAAAAAAAAAAAAAAAAAAAAAAAAAAAAAAAAAAAAAAAAAAAAAAAAAAAAAAAAAAAAAAAAAAAAAAAAAAAAAAAAAAAAAAAAAAAAAAAAAAAAAAAAAAAAAAAAAAAAAAAAAAAAAAAAAAAAAAAAAAAAAAAAAAAAAAAAAAAAAAAAAAAAAAAAAAAAAAAAAAAAAAAAAAAAAAAAAAAAAAAAAAAAAAAAAAAAAAAAAAAAAAAAAAAAAAAAAAAAAAAAAAAAAAAAAAAAAAAAAAAAAAAAAAAAAAAAAAAAAAAAAAAAAAAAAAAAAAAAAAAAAAAAAAAAAAAAAAAAAAAAAAAAAAAAAAAAAAAAAAAAAAAAAAAAAAAAAAAAAAAAAAAAAAAAAAAAAAAAAAAAAAAAAAAAAAAAAAAAAAAAAAAAAAAAAAAAAAAAAAAAAAAAAAAAAAAAAAAAAAAAAAAAAAAAAAAAAAAAAAAAAAAAAAAAAAAAAAAAAAAAAAAAAAAAAAAAAAAAAAAAAAAAAAAAAAAAAAAAAAAAAAAAAAAAAAAAAAAAAAAAAAAAAAAAAAAAAAAAAAAAAAAAAAAAAAAAAAAAAAAAAAAAAAAAAAAAAAAAAAAAAAAAAAAAAAAAAAAAAAAAAAAAAAAAAAAAAAAAAAAAAAAAAAAAAAAAAAAAAAAAAAAAAAAAAAAAAAAAAAAAAAAAAAAAAAAAAAAAAAAAAAAAAAAAAAAAAAAAAAAAAAAAAAAAAAAAAAAAAAAAAAAAAAAAAAAAAAAAAAAAAAAAAAAAAAAAAAAAAAAAAAAAAAAAAAAAAAAAAAAAAAAAAAAAAAAAAAAAAAAAAAAAAAAAAAAAAAAAAAAAAAAAAAAAAAAAAAAAAAAAAAAAAAAAAAAAAAAAAAAAAAAAAAAAAAAAAAAAAAAAAAAAAAAAAAAAAAAAAAAAAAAAAAAAAAAAAAAAAAAAAAAAAAAAAAAAAAAAAAAAAAAAAAAAAAAAAAAAAAAAAAAAAAAAAAAAAAAAAAAAAAAAAAAAAAAAAAAAAAAAAAAAAAAAAAAAAAAAAAAAAAAAAAA"/>

--- a/images/graphs.pptx
+++ b/images/graphs.pptx
@@ -110,7 +110,18 @@
   </p:defaultTextStyle>
   <p:extLst>
     <p:ext uri="{EFAFB233-063F-42B5-8137-9DF3F51BA10A}">
-      <p15:sldGuideLst xmlns:p15="http://schemas.microsoft.com/office/powerpoint/2012/main"/>
+      <p15:sldGuideLst xmlns:p15="http://schemas.microsoft.com/office/powerpoint/2012/main">
+        <p15:guide id="1" orient="horz" pos="2160" userDrawn="1">
+          <p15:clr>
+            <a:srgbClr val="A4A3A4"/>
+          </p15:clr>
+        </p15:guide>
+        <p15:guide id="2" pos="3840" userDrawn="1">
+          <p15:clr>
+            <a:srgbClr val="A4A3A4"/>
+          </p15:clr>
+        </p15:guide>
+      </p15:sldGuideLst>
     </p:ext>
   </p:extLst>
 </p:presentation>
@@ -263,7 +274,7 @@
           <a:p>
             <a:fld id="{20723E45-8DF6-4DDF-9284-80562A0E6783}" type="datetimeFigureOut">
               <a:rPr lang="en-US" smtClean="0"/>
-              <a:t>12/13/2023</a:t>
+              <a:t>7/5/2024</a:t>
             </a:fld>
             <a:endParaRPr lang="en-US"/>
           </a:p>
@@ -461,7 +472,7 @@
           <a:p>
             <a:fld id="{20723E45-8DF6-4DDF-9284-80562A0E6783}" type="datetimeFigureOut">
               <a:rPr lang="en-US" smtClean="0"/>
-              <a:t>12/13/2023</a:t>
+              <a:t>7/5/2024</a:t>
             </a:fld>
             <a:endParaRPr lang="en-US"/>
           </a:p>
@@ -669,7 +680,7 @@
           <a:p>
             <a:fld id="{20723E45-8DF6-4DDF-9284-80562A0E6783}" type="datetimeFigureOut">
               <a:rPr lang="en-US" smtClean="0"/>
-              <a:t>12/13/2023</a:t>
+              <a:t>7/5/2024</a:t>
             </a:fld>
             <a:endParaRPr lang="en-US"/>
           </a:p>
@@ -867,7 +878,7 @@
           <a:p>
             <a:fld id="{20723E45-8DF6-4DDF-9284-80562A0E6783}" type="datetimeFigureOut">
               <a:rPr lang="en-US" smtClean="0"/>
-              <a:t>12/13/2023</a:t>
+              <a:t>7/5/2024</a:t>
             </a:fld>
             <a:endParaRPr lang="en-US"/>
           </a:p>
@@ -1142,7 +1153,7 @@
           <a:p>
             <a:fld id="{20723E45-8DF6-4DDF-9284-80562A0E6783}" type="datetimeFigureOut">
               <a:rPr lang="en-US" smtClean="0"/>
-              <a:t>12/13/2023</a:t>
+              <a:t>7/5/2024</a:t>
             </a:fld>
             <a:endParaRPr lang="en-US"/>
           </a:p>
@@ -1407,7 +1418,7 @@
           <a:p>
             <a:fld id="{20723E45-8DF6-4DDF-9284-80562A0E6783}" type="datetimeFigureOut">
               <a:rPr lang="en-US" smtClean="0"/>
-              <a:t>12/13/2023</a:t>
+              <a:t>7/5/2024</a:t>
             </a:fld>
             <a:endParaRPr lang="en-US"/>
           </a:p>
@@ -1819,7 +1830,7 @@
           <a:p>
             <a:fld id="{20723E45-8DF6-4DDF-9284-80562A0E6783}" type="datetimeFigureOut">
               <a:rPr lang="en-US" smtClean="0"/>
-              <a:t>12/13/2023</a:t>
+              <a:t>7/5/2024</a:t>
             </a:fld>
             <a:endParaRPr lang="en-US"/>
           </a:p>
@@ -1960,7 +1971,7 @@
           <a:p>
             <a:fld id="{20723E45-8DF6-4DDF-9284-80562A0E6783}" type="datetimeFigureOut">
               <a:rPr lang="en-US" smtClean="0"/>
-              <a:t>12/13/2023</a:t>
+              <a:t>7/5/2024</a:t>
             </a:fld>
             <a:endParaRPr lang="en-US"/>
           </a:p>
@@ -2073,7 +2084,7 @@
           <a:p>
             <a:fld id="{20723E45-8DF6-4DDF-9284-80562A0E6783}" type="datetimeFigureOut">
               <a:rPr lang="en-US" smtClean="0"/>
-              <a:t>12/13/2023</a:t>
+              <a:t>7/5/2024</a:t>
             </a:fld>
             <a:endParaRPr lang="en-US"/>
           </a:p>
@@ -2384,7 +2395,7 @@
           <a:p>
             <a:fld id="{20723E45-8DF6-4DDF-9284-80562A0E6783}" type="datetimeFigureOut">
               <a:rPr lang="en-US" smtClean="0"/>
-              <a:t>12/13/2023</a:t>
+              <a:t>7/5/2024</a:t>
             </a:fld>
             <a:endParaRPr lang="en-US"/>
           </a:p>
@@ -2672,7 +2683,7 @@
           <a:p>
             <a:fld id="{20723E45-8DF6-4DDF-9284-80562A0E6783}" type="datetimeFigureOut">
               <a:rPr lang="en-US" smtClean="0"/>
-              <a:t>12/13/2023</a:t>
+              <a:t>7/5/2024</a:t>
             </a:fld>
             <a:endParaRPr lang="en-US"/>
           </a:p>
@@ -2913,7 +2924,7 @@
           <a:p>
             <a:fld id="{20723E45-8DF6-4DDF-9284-80562A0E6783}" type="datetimeFigureOut">
               <a:rPr lang="en-US" smtClean="0"/>
-              <a:t>12/13/2023</a:t>
+              <a:t>7/5/2024</a:t>
             </a:fld>
             <a:endParaRPr lang="en-US"/>
           </a:p>
